--- a/presentation/QCP_stocks_21.11.23.pptx
+++ b/presentation/QCP_stocks_21.11.23.pptx
@@ -5455,26 +5455,26 @@
           </a:p>
           <a:p>
             <a:r>
+              <a:rPr lang="en-GB"/>
+              <a:t>Test </a:t>
+            </a:r>
+            <a:r>
               <a:rPr lang="en-GB" dirty="0"/>
-              <a:t>Test </a:t>
-            </a:r>
-            <a:r>
-              <a:rPr lang="en-GB" dirty="0" err="1"/>
-              <a:t>Calman</a:t>
+              <a:t>K</a:t>
+            </a:r>
+            <a:r>
+              <a:rPr lang="en-GB"/>
+              <a:t>alman </a:t>
             </a:r>
             <a:r>
               <a:rPr lang="en-GB" dirty="0"/>
-              <a:t> filter to handle noise</a:t>
+              <a:t>filter to handle noise</a:t>
             </a:r>
           </a:p>
           <a:p>
             <a:r>
               <a:rPr lang="en-GB" dirty="0"/>
-              <a:t>Test how </a:t>
-            </a:r>
-            <a:r>
-              <a:rPr lang="en-GB"/>
-              <a:t>scalable quantum models are</a:t>
+              <a:t>Test how scalable quantum models are</a:t>
             </a:r>
             <a:endParaRPr lang="en-DE" dirty="0"/>
           </a:p>

--- a/presentation/QCP_stocks_21.11.23.pptx
+++ b/presentation/QCP_stocks_21.11.23.pptx
@@ -5455,20 +5455,8 @@
           </a:p>
           <a:p>
             <a:r>
-              <a:rPr lang="en-GB"/>
-              <a:t>Test </a:t>
-            </a:r>
-            <a:r>
               <a:rPr lang="en-GB" dirty="0"/>
-              <a:t>K</a:t>
-            </a:r>
-            <a:r>
-              <a:rPr lang="en-GB"/>
-              <a:t>alman </a:t>
-            </a:r>
-            <a:r>
-              <a:rPr lang="en-GB" dirty="0"/>
-              <a:t>filter to handle noise</a:t>
+              <a:t>Test Kalman filter to handle noise</a:t>
             </a:r>
           </a:p>
           <a:p>
